--- a/Stock_Trading_Models.pptx
+++ b/Stock_Trading_Models.pptx
@@ -22,6 +22,7 @@
     <p:sldId id="263" r:id="rId16"/>
     <p:sldId id="262" r:id="rId17"/>
     <p:sldId id="276" r:id="rId18"/>
+    <p:sldId id="277" r:id="rId19"/>
   </p:sldIdLst>
   <p:sldSz cx="12192000" cy="6858000"/>
   <p:notesSz cx="6858000" cy="9144000"/>
@@ -6385,7 +6386,7 @@
           <a:p>
             <a:r>
               <a:rPr lang="en-US" dirty="0"/>
-              <a:t>Learning is based on just price data with buy/sell actions while only rewarding when there is a profit on a long call.</a:t>
+              <a:t>Q Learning is used and is based on just price data with buy/sell actions while only rewarding when there is a profit on a long call.</a:t>
             </a:r>
           </a:p>
           <a:p>
@@ -6607,14 +6608,17 @@
           <a:p>
             <a:r>
               <a:rPr lang="en-US" dirty="0"/>
+              <a:t>Increase of number of features would not result to better output</a:t>
+            </a:r>
+          </a:p>
+          <a:p>
+            <a:r>
+              <a:rPr lang="en-US" dirty="0"/>
               <a:t>Increase of MSE with increase of Epochs indicates over fitting</a:t>
             </a:r>
           </a:p>
           <a:p>
-            <a:r>
-              <a:rPr lang="en-US" dirty="0"/>
-              <a:t>Increase of number of features would not result to better output</a:t>
-            </a:r>
+            <a:endParaRPr lang="en-US" dirty="0"/>
           </a:p>
         </p:txBody>
       </p:sp>
@@ -6711,7 +6715,7 @@
           <a:p>
             <a:r>
               <a:rPr lang="en-US" dirty="0"/>
-              <a:t>Combination of Reinforcement Learning and LSTM can potentially improve results</a:t>
+              <a:t>When it comes to ML models, combination of Reinforcement Learning and LSTM can potentially give better results</a:t>
             </a:r>
           </a:p>
           <a:p>
@@ -6777,59 +6781,6 @@
           </a:p>
         </p:txBody>
       </p:sp>
-      <p:sp>
-        <p:nvSpPr>
-          <p:cNvPr id="3" name="Content Placeholder 2">
-            <a:extLst>
-              <a:ext uri="{FF2B5EF4-FFF2-40B4-BE49-F238E27FC236}">
-                <a16:creationId xmlns:a16="http://schemas.microsoft.com/office/drawing/2014/main" id="{387FB487-F170-468C-AD56-B84207747712}"/>
-              </a:ext>
-            </a:extLst>
-          </p:cNvPr>
-          <p:cNvSpPr>
-            <a:spLocks noGrp="1"/>
-          </p:cNvSpPr>
-          <p:nvPr>
-            <p:ph idx="1"/>
-          </p:nvPr>
-        </p:nvSpPr>
-        <p:spPr>
-          <a:xfrm>
-            <a:off x="1295402" y="2556932"/>
-            <a:ext cx="4800598" cy="3318936"/>
-          </a:xfrm>
-        </p:spPr>
-        <p:txBody>
-          <a:bodyPr/>
-          <a:lstStyle/>
-          <a:p>
-            <a:r>
-              <a:rPr lang="en-US" dirty="0"/>
-              <a:t>AI </a:t>
-            </a:r>
-            <a:r>
-              <a:rPr lang="en-US" dirty="0">
-                <a:sym typeface="Wingdings" panose="05000000000000000000" pitchFamily="2" charset="2"/>
-              </a:rPr>
-              <a:t> Artificial Intelligence </a:t>
-            </a:r>
-          </a:p>
-          <a:p>
-            <a:endParaRPr lang="en-US" dirty="0">
-              <a:sym typeface="Wingdings" panose="05000000000000000000" pitchFamily="2" charset="2"/>
-            </a:endParaRPr>
-          </a:p>
-          <a:p>
-            <a:r>
-              <a:rPr lang="en-US" dirty="0">
-                <a:sym typeface="Wingdings" panose="05000000000000000000" pitchFamily="2" charset="2"/>
-              </a:rPr>
-              <a:t>AI Automation Improvisation</a:t>
-            </a:r>
-            <a:endParaRPr lang="en-US" dirty="0"/>
-          </a:p>
-        </p:txBody>
-      </p:sp>
       <p:pic>
         <p:nvPicPr>
           <p:cNvPr id="5" name="Picture 4">
@@ -6852,7 +6803,7 @@
         </p:blipFill>
         <p:spPr>
           <a:xfrm>
-            <a:off x="6795796" y="2671179"/>
+            <a:off x="1512596" y="2711819"/>
             <a:ext cx="2695575" cy="2486025"/>
           </a:xfrm>
           <a:prstGeom prst="rect">
@@ -6860,10 +6811,121 @@
           </a:prstGeom>
         </p:spPr>
       </p:pic>
+      <p:sp>
+        <p:nvSpPr>
+          <p:cNvPr id="9" name="Content Placeholder 2">
+            <a:extLst>
+              <a:ext uri="{FF2B5EF4-FFF2-40B4-BE49-F238E27FC236}">
+                <a16:creationId xmlns:a16="http://schemas.microsoft.com/office/drawing/2014/main" id="{C0CACF03-3CB1-46A9-A7C7-E575B307052F}"/>
+              </a:ext>
+            </a:extLst>
+          </p:cNvPr>
+          <p:cNvSpPr>
+            <a:spLocks noGrp="1"/>
+          </p:cNvSpPr>
+          <p:nvPr>
+            <p:ph idx="1"/>
+          </p:nvPr>
+        </p:nvSpPr>
+        <p:spPr>
+          <a:xfrm>
+            <a:off x="5369562" y="2790612"/>
+            <a:ext cx="4800598" cy="3318936"/>
+          </a:xfrm>
+        </p:spPr>
+        <p:txBody>
+          <a:bodyPr/>
+          <a:lstStyle/>
+          <a:p>
+            <a:r>
+              <a:rPr lang="en-US" dirty="0"/>
+              <a:t>AI </a:t>
+            </a:r>
+            <a:r>
+              <a:rPr lang="en-US" dirty="0">
+                <a:sym typeface="Wingdings" panose="05000000000000000000" pitchFamily="2" charset="2"/>
+              </a:rPr>
+              <a:t> Artificial Intelligence </a:t>
+            </a:r>
+          </a:p>
+          <a:p>
+            <a:endParaRPr lang="en-US" dirty="0">
+              <a:sym typeface="Wingdings" panose="05000000000000000000" pitchFamily="2" charset="2"/>
+            </a:endParaRPr>
+          </a:p>
+          <a:p>
+            <a:r>
+              <a:rPr lang="en-US" dirty="0">
+                <a:sym typeface="Wingdings" panose="05000000000000000000" pitchFamily="2" charset="2"/>
+              </a:rPr>
+              <a:t>AI Automation Improvisation</a:t>
+            </a:r>
+            <a:endParaRPr lang="en-US" dirty="0"/>
+          </a:p>
+        </p:txBody>
+      </p:sp>
     </p:spTree>
     <p:extLst>
       <p:ext uri="{BB962C8B-B14F-4D97-AF65-F5344CB8AC3E}">
         <p14:creationId xmlns:p14="http://schemas.microsoft.com/office/powerpoint/2010/main" val="1167937643"/>
+      </p:ext>
+    </p:extLst>
+  </p:cSld>
+  <p:clrMapOvr>
+    <a:masterClrMapping/>
+  </p:clrMapOvr>
+</p:sld>
+</file>
+
+<file path=ppt/slides/slide18.xml><?xml version="1.0" encoding="utf-8"?>
+<p:sld xmlns:a="http://schemas.openxmlformats.org/drawingml/2006/main" xmlns:r="http://schemas.openxmlformats.org/officeDocument/2006/relationships" xmlns:p="http://schemas.openxmlformats.org/presentationml/2006/main">
+  <p:cSld>
+    <p:spTree>
+      <p:nvGrpSpPr>
+        <p:cNvPr id="1" name=""/>
+        <p:cNvGrpSpPr/>
+        <p:nvPr/>
+      </p:nvGrpSpPr>
+      <p:grpSpPr>
+        <a:xfrm>
+          <a:off x="0" y="0"/>
+          <a:ext cx="0" cy="0"/>
+          <a:chOff x="0" y="0"/>
+          <a:chExt cx="0" cy="0"/>
+        </a:xfrm>
+      </p:grpSpPr>
+      <p:sp>
+        <p:nvSpPr>
+          <p:cNvPr id="2" name="Title 1">
+            <a:extLst>
+              <a:ext uri="{FF2B5EF4-FFF2-40B4-BE49-F238E27FC236}">
+                <a16:creationId xmlns:a16="http://schemas.microsoft.com/office/drawing/2014/main" id="{F36F99D6-A2B7-43A6-BF91-8CACB0A8D048}"/>
+              </a:ext>
+            </a:extLst>
+          </p:cNvPr>
+          <p:cNvSpPr>
+            <a:spLocks noGrp="1"/>
+          </p:cNvSpPr>
+          <p:nvPr>
+            <p:ph type="title"/>
+          </p:nvPr>
+        </p:nvSpPr>
+        <p:spPr/>
+        <p:txBody>
+          <a:bodyPr/>
+          <a:lstStyle/>
+          <a:p>
+            <a:r>
+              <a:rPr lang="en-US" dirty="0"/>
+              <a:t>Q &amp; A</a:t>
+            </a:r>
+          </a:p>
+        </p:txBody>
+      </p:sp>
+    </p:spTree>
+    <p:extLst>
+      <p:ext uri="{BB962C8B-B14F-4D97-AF65-F5344CB8AC3E}">
+        <p14:creationId xmlns:p14="http://schemas.microsoft.com/office/powerpoint/2010/main" val="3015773188"/>
       </p:ext>
     </p:extLst>
   </p:cSld>
@@ -7107,7 +7169,7 @@
             </a:r>
             <a:r>
               <a:rPr lang="en-US" dirty="0"/>
-              <a:t> to analyze regression models</a:t>
+              <a:t> Autopilot to analyze regression models</a:t>
             </a:r>
           </a:p>
           <a:p>
@@ -7588,7 +7650,7 @@
         <p:spPr/>
         <p:txBody>
           <a:bodyPr>
-            <a:normAutofit fontScale="92500" lnSpcReduction="10000"/>
+            <a:normAutofit fontScale="92500" lnSpcReduction="20000"/>
           </a:bodyPr>
           <a:lstStyle/>
           <a:p>
@@ -7618,7 +7680,15 @@
           <a:p>
             <a:r>
               <a:rPr lang="en-US" dirty="0"/>
-              <a:t>Calculated ‘Accuracy’ based on actual vs predicted prices for trends in a given day</a:t>
+              <a:t>Calculated ‘Accuracy’ based on actual vs predicted prices for </a:t>
+            </a:r>
+            <a:r>
+              <a:rPr lang="en-US" b="1" dirty="0"/>
+              <a:t>trends</a:t>
+            </a:r>
+            <a:r>
+              <a:rPr lang="en-US" dirty="0"/>
+              <a:t> (up/down) in a given day</a:t>
             </a:r>
           </a:p>
           <a:p>
